--- a/计算机仿真投稿/论文作图/整体框架.pptx
+++ b/计算机仿真投稿/论文作图/整体框架.pptx
@@ -104,6 +104,11 @@
       </a:defRPr>
     </a:lvl9pPr>
   </p:defaultTextStyle>
+  <p:extLst>
+    <p:ext uri="{EFAFB233-063F-42B5-8137-9DF3F51BA10A}">
+      <p15:sldGuideLst xmlns:p15="http://schemas.microsoft.com/office/powerpoint/2012/main"/>
+    </p:ext>
+  </p:extLst>
 </p:presentation>
 </file>
 
@@ -238,7 +243,7 @@
           <a:p>
             <a:fld id="{AE6D1451-9BAB-465D-8F0B-0092A6DFE02B}" type="datetimeFigureOut">
               <a:rPr lang="zh-CN" altLang="en-US" smtClean="0"/>
-              <a:t>2018/3/7 Wednesday</a:t>
+              <a:t>2018/3/21 Wednesday</a:t>
             </a:fld>
             <a:endParaRPr lang="zh-CN" altLang="en-US"/>
           </a:p>
@@ -408,7 +413,7 @@
           <a:p>
             <a:fld id="{AE6D1451-9BAB-465D-8F0B-0092A6DFE02B}" type="datetimeFigureOut">
               <a:rPr lang="zh-CN" altLang="en-US" smtClean="0"/>
-              <a:t>2018/3/7 Wednesday</a:t>
+              <a:t>2018/3/21 Wednesday</a:t>
             </a:fld>
             <a:endParaRPr lang="zh-CN" altLang="en-US"/>
           </a:p>
@@ -588,7 +593,7 @@
           <a:p>
             <a:fld id="{AE6D1451-9BAB-465D-8F0B-0092A6DFE02B}" type="datetimeFigureOut">
               <a:rPr lang="zh-CN" altLang="en-US" smtClean="0"/>
-              <a:t>2018/3/7 Wednesday</a:t>
+              <a:t>2018/3/21 Wednesday</a:t>
             </a:fld>
             <a:endParaRPr lang="zh-CN" altLang="en-US"/>
           </a:p>
@@ -758,7 +763,7 @@
           <a:p>
             <a:fld id="{AE6D1451-9BAB-465D-8F0B-0092A6DFE02B}" type="datetimeFigureOut">
               <a:rPr lang="zh-CN" altLang="en-US" smtClean="0"/>
-              <a:t>2018/3/7 Wednesday</a:t>
+              <a:t>2018/3/21 Wednesday</a:t>
             </a:fld>
             <a:endParaRPr lang="zh-CN" altLang="en-US"/>
           </a:p>
@@ -1004,7 +1009,7 @@
           <a:p>
             <a:fld id="{AE6D1451-9BAB-465D-8F0B-0092A6DFE02B}" type="datetimeFigureOut">
               <a:rPr lang="zh-CN" altLang="en-US" smtClean="0"/>
-              <a:t>2018/3/7 Wednesday</a:t>
+              <a:t>2018/3/21 Wednesday</a:t>
             </a:fld>
             <a:endParaRPr lang="zh-CN" altLang="en-US"/>
           </a:p>
@@ -1236,7 +1241,7 @@
           <a:p>
             <a:fld id="{AE6D1451-9BAB-465D-8F0B-0092A6DFE02B}" type="datetimeFigureOut">
               <a:rPr lang="zh-CN" altLang="en-US" smtClean="0"/>
-              <a:t>2018/3/7 Wednesday</a:t>
+              <a:t>2018/3/21 Wednesday</a:t>
             </a:fld>
             <a:endParaRPr lang="zh-CN" altLang="en-US"/>
           </a:p>
@@ -1603,7 +1608,7 @@
           <a:p>
             <a:fld id="{AE6D1451-9BAB-465D-8F0B-0092A6DFE02B}" type="datetimeFigureOut">
               <a:rPr lang="zh-CN" altLang="en-US" smtClean="0"/>
-              <a:t>2018/3/7 Wednesday</a:t>
+              <a:t>2018/3/21 Wednesday</a:t>
             </a:fld>
             <a:endParaRPr lang="zh-CN" altLang="en-US"/>
           </a:p>
@@ -1721,7 +1726,7 @@
           <a:p>
             <a:fld id="{AE6D1451-9BAB-465D-8F0B-0092A6DFE02B}" type="datetimeFigureOut">
               <a:rPr lang="zh-CN" altLang="en-US" smtClean="0"/>
-              <a:t>2018/3/7 Wednesday</a:t>
+              <a:t>2018/3/21 Wednesday</a:t>
             </a:fld>
             <a:endParaRPr lang="zh-CN" altLang="en-US"/>
           </a:p>
@@ -1816,7 +1821,7 @@
           <a:p>
             <a:fld id="{AE6D1451-9BAB-465D-8F0B-0092A6DFE02B}" type="datetimeFigureOut">
               <a:rPr lang="zh-CN" altLang="en-US" smtClean="0"/>
-              <a:t>2018/3/7 Wednesday</a:t>
+              <a:t>2018/3/21 Wednesday</a:t>
             </a:fld>
             <a:endParaRPr lang="zh-CN" altLang="en-US"/>
           </a:p>
@@ -2093,7 +2098,7 @@
           <a:p>
             <a:fld id="{AE6D1451-9BAB-465D-8F0B-0092A6DFE02B}" type="datetimeFigureOut">
               <a:rPr lang="zh-CN" altLang="en-US" smtClean="0"/>
-              <a:t>2018/3/7 Wednesday</a:t>
+              <a:t>2018/3/21 Wednesday</a:t>
             </a:fld>
             <a:endParaRPr lang="zh-CN" altLang="en-US"/>
           </a:p>
@@ -2346,7 +2351,7 @@
           <a:p>
             <a:fld id="{AE6D1451-9BAB-465D-8F0B-0092A6DFE02B}" type="datetimeFigureOut">
               <a:rPr lang="zh-CN" altLang="en-US" smtClean="0"/>
-              <a:t>2018/3/7 Wednesday</a:t>
+              <a:t>2018/3/21 Wednesday</a:t>
             </a:fld>
             <a:endParaRPr lang="zh-CN" altLang="en-US"/>
           </a:p>
@@ -2559,7 +2564,7 @@
           <a:p>
             <a:fld id="{AE6D1451-9BAB-465D-8F0B-0092A6DFE02B}" type="datetimeFigureOut">
               <a:rPr lang="zh-CN" altLang="en-US" smtClean="0"/>
-              <a:t>2018/3/7 Wednesday</a:t>
+              <a:t>2018/3/21 Wednesday</a:t>
             </a:fld>
             <a:endParaRPr lang="zh-CN" altLang="en-US"/>
           </a:p>
@@ -3119,14 +3124,14 @@
             <a:p>
               <a:pPr algn="ctr"/>
               <a:r>
-                <a:rPr lang="zh-CN" altLang="en-US" dirty="0" smtClean="0">
+                <a:rPr lang="zh-CN" altLang="en-US" sz="1600" dirty="0" smtClean="0">
                   <a:solidFill>
                     <a:schemeClr val="tx1"/>
                   </a:solidFill>
                 </a:rPr>
                 <a:t>路径规划</a:t>
               </a:r>
-              <a:endParaRPr lang="zh-CN" altLang="en-US" dirty="0">
+              <a:endParaRPr lang="zh-CN" altLang="en-US" sz="1600" dirty="0">
                 <a:solidFill>
                   <a:schemeClr val="tx1"/>
                 </a:solidFill>
@@ -3179,14 +3184,14 @@
             <a:p>
               <a:pPr algn="ctr"/>
               <a:r>
-                <a:rPr lang="zh-CN" altLang="en-US" dirty="0" smtClean="0">
+                <a:rPr lang="zh-CN" altLang="en-US" sz="1600" dirty="0" smtClean="0">
                   <a:solidFill>
                     <a:schemeClr val="tx1"/>
                   </a:solidFill>
                 </a:rPr>
                 <a:t>轨迹生成</a:t>
               </a:r>
-              <a:endParaRPr lang="zh-CN" altLang="en-US" dirty="0">
+              <a:endParaRPr lang="zh-CN" altLang="en-US" sz="1600" dirty="0">
                 <a:solidFill>
                   <a:schemeClr val="tx1"/>
                 </a:solidFill>
@@ -3338,7 +3343,7 @@
             <a:p>
               <a:pPr algn="ctr"/>
               <a:r>
-                <a:rPr lang="en-US" altLang="zh-CN" dirty="0" err="1" smtClean="0">
+                <a:rPr lang="en-US" altLang="zh-CN" sz="1600" dirty="0" err="1" smtClean="0">
                   <a:solidFill>
                     <a:schemeClr val="tx1"/>
                   </a:solidFill>
@@ -3346,14 +3351,14 @@
                 <a:t>MDLg</a:t>
               </a:r>
               <a:r>
-                <a:rPr lang="zh-CN" altLang="en-US" dirty="0" smtClean="0">
+                <a:rPr lang="zh-CN" altLang="en-US" sz="1600" dirty="0">
                   <a:solidFill>
                     <a:schemeClr val="tx1"/>
                   </a:solidFill>
                 </a:rPr>
-                <a:t>主端</a:t>
+                <a:t>生成器</a:t>
               </a:r>
-              <a:endParaRPr lang="zh-CN" altLang="en-US" dirty="0">
+              <a:endParaRPr lang="zh-CN" altLang="en-US" sz="1600" dirty="0">
                 <a:solidFill>
                   <a:schemeClr val="tx1"/>
                 </a:solidFill>
@@ -3505,7 +3510,7 @@
             <a:p>
               <a:pPr algn="ctr"/>
               <a:r>
-                <a:rPr lang="en-US" altLang="zh-CN" dirty="0" err="1" smtClean="0">
+                <a:rPr lang="en-US" altLang="zh-CN" sz="1600" dirty="0" err="1" smtClean="0">
                   <a:solidFill>
                     <a:schemeClr val="tx1"/>
                   </a:solidFill>
@@ -3513,22 +3518,14 @@
                 <a:t>MDLg</a:t>
               </a:r>
               <a:r>
-                <a:rPr lang="zh-CN" altLang="en-US" dirty="0">
+                <a:rPr lang="zh-CN" altLang="en-US" sz="1600" dirty="0">
                   <a:solidFill>
                     <a:schemeClr val="tx1"/>
                   </a:solidFill>
                 </a:rPr>
-                <a:t>从</a:t>
+                <a:t>解析器</a:t>
               </a:r>
-              <a:r>
-                <a:rPr lang="zh-CN" altLang="en-US" dirty="0" smtClean="0">
-                  <a:solidFill>
-                    <a:schemeClr val="tx1"/>
-                  </a:solidFill>
-                </a:rPr>
-                <a:t>端</a:t>
-              </a:r>
-              <a:endParaRPr lang="zh-CN" altLang="en-US" dirty="0">
+              <a:endParaRPr lang="zh-CN" altLang="en-US" sz="1600" dirty="0">
                 <a:solidFill>
                   <a:schemeClr val="tx1"/>
                 </a:solidFill>
@@ -3680,7 +3677,7 @@
             <a:p>
               <a:pPr algn="ctr"/>
               <a:r>
-                <a:rPr lang="zh-CN" altLang="en-US" dirty="0">
+                <a:rPr lang="zh-CN" altLang="en-US" sz="1600" dirty="0">
                   <a:solidFill>
                     <a:schemeClr val="tx1"/>
                   </a:solidFill>
@@ -3688,14 +3685,14 @@
                 <a:t>电机</a:t>
               </a:r>
               <a:r>
-                <a:rPr lang="zh-CN" altLang="en-US" dirty="0" smtClean="0">
+                <a:rPr lang="zh-CN" altLang="en-US" sz="1600" dirty="0" smtClean="0">
                   <a:solidFill>
                     <a:schemeClr val="tx1"/>
                   </a:solidFill>
                 </a:rPr>
                 <a:t>控制</a:t>
               </a:r>
-              <a:endParaRPr lang="zh-CN" altLang="en-US" dirty="0">
+              <a:endParaRPr lang="zh-CN" altLang="en-US" sz="1600" dirty="0">
                 <a:solidFill>
                   <a:schemeClr val="tx1"/>
                 </a:solidFill>

--- a/计算机仿真投稿/论文作图/整体框架.pptx
+++ b/计算机仿真投稿/论文作图/整体框架.pptx
@@ -243,7 +243,7 @@
           <a:p>
             <a:fld id="{AE6D1451-9BAB-465D-8F0B-0092A6DFE02B}" type="datetimeFigureOut">
               <a:rPr lang="zh-CN" altLang="en-US" smtClean="0"/>
-              <a:t>2018/3/21 Wednesday</a:t>
+              <a:t>3/26 Monday</a:t>
             </a:fld>
             <a:endParaRPr lang="zh-CN" altLang="en-US"/>
           </a:p>
@@ -413,7 +413,7 @@
           <a:p>
             <a:fld id="{AE6D1451-9BAB-465D-8F0B-0092A6DFE02B}" type="datetimeFigureOut">
               <a:rPr lang="zh-CN" altLang="en-US" smtClean="0"/>
-              <a:t>2018/3/21 Wednesday</a:t>
+              <a:t>3/26 Monday</a:t>
             </a:fld>
             <a:endParaRPr lang="zh-CN" altLang="en-US"/>
           </a:p>
@@ -593,7 +593,7 @@
           <a:p>
             <a:fld id="{AE6D1451-9BAB-465D-8F0B-0092A6DFE02B}" type="datetimeFigureOut">
               <a:rPr lang="zh-CN" altLang="en-US" smtClean="0"/>
-              <a:t>2018/3/21 Wednesday</a:t>
+              <a:t>3/26 Monday</a:t>
             </a:fld>
             <a:endParaRPr lang="zh-CN" altLang="en-US"/>
           </a:p>
@@ -763,7 +763,7 @@
           <a:p>
             <a:fld id="{AE6D1451-9BAB-465D-8F0B-0092A6DFE02B}" type="datetimeFigureOut">
               <a:rPr lang="zh-CN" altLang="en-US" smtClean="0"/>
-              <a:t>2018/3/21 Wednesday</a:t>
+              <a:t>3/26 Monday</a:t>
             </a:fld>
             <a:endParaRPr lang="zh-CN" altLang="en-US"/>
           </a:p>
@@ -1009,7 +1009,7 @@
           <a:p>
             <a:fld id="{AE6D1451-9BAB-465D-8F0B-0092A6DFE02B}" type="datetimeFigureOut">
               <a:rPr lang="zh-CN" altLang="en-US" smtClean="0"/>
-              <a:t>2018/3/21 Wednesday</a:t>
+              <a:t>3/26 Monday</a:t>
             </a:fld>
             <a:endParaRPr lang="zh-CN" altLang="en-US"/>
           </a:p>
@@ -1241,7 +1241,7 @@
           <a:p>
             <a:fld id="{AE6D1451-9BAB-465D-8F0B-0092A6DFE02B}" type="datetimeFigureOut">
               <a:rPr lang="zh-CN" altLang="en-US" smtClean="0"/>
-              <a:t>2018/3/21 Wednesday</a:t>
+              <a:t>3/26 Monday</a:t>
             </a:fld>
             <a:endParaRPr lang="zh-CN" altLang="en-US"/>
           </a:p>
@@ -1608,7 +1608,7 @@
           <a:p>
             <a:fld id="{AE6D1451-9BAB-465D-8F0B-0092A6DFE02B}" type="datetimeFigureOut">
               <a:rPr lang="zh-CN" altLang="en-US" smtClean="0"/>
-              <a:t>2018/3/21 Wednesday</a:t>
+              <a:t>3/26 Monday</a:t>
             </a:fld>
             <a:endParaRPr lang="zh-CN" altLang="en-US"/>
           </a:p>
@@ -1726,7 +1726,7 @@
           <a:p>
             <a:fld id="{AE6D1451-9BAB-465D-8F0B-0092A6DFE02B}" type="datetimeFigureOut">
               <a:rPr lang="zh-CN" altLang="en-US" smtClean="0"/>
-              <a:t>2018/3/21 Wednesday</a:t>
+              <a:t>3/26 Monday</a:t>
             </a:fld>
             <a:endParaRPr lang="zh-CN" altLang="en-US"/>
           </a:p>
@@ -1821,7 +1821,7 @@
           <a:p>
             <a:fld id="{AE6D1451-9BAB-465D-8F0B-0092A6DFE02B}" type="datetimeFigureOut">
               <a:rPr lang="zh-CN" altLang="en-US" smtClean="0"/>
-              <a:t>2018/3/21 Wednesday</a:t>
+              <a:t>3/26 Monday</a:t>
             </a:fld>
             <a:endParaRPr lang="zh-CN" altLang="en-US"/>
           </a:p>
@@ -2098,7 +2098,7 @@
           <a:p>
             <a:fld id="{AE6D1451-9BAB-465D-8F0B-0092A6DFE02B}" type="datetimeFigureOut">
               <a:rPr lang="zh-CN" altLang="en-US" smtClean="0"/>
-              <a:t>2018/3/21 Wednesday</a:t>
+              <a:t>3/26 Monday</a:t>
             </a:fld>
             <a:endParaRPr lang="zh-CN" altLang="en-US"/>
           </a:p>
@@ -2351,7 +2351,7 @@
           <a:p>
             <a:fld id="{AE6D1451-9BAB-465D-8F0B-0092A6DFE02B}" type="datetimeFigureOut">
               <a:rPr lang="zh-CN" altLang="en-US" smtClean="0"/>
-              <a:t>2018/3/21 Wednesday</a:t>
+              <a:t>3/26 Monday</a:t>
             </a:fld>
             <a:endParaRPr lang="zh-CN" altLang="en-US"/>
           </a:p>
@@ -2564,7 +2564,7 @@
           <a:p>
             <a:fld id="{AE6D1451-9BAB-465D-8F0B-0092A6DFE02B}" type="datetimeFigureOut">
               <a:rPr lang="zh-CN" altLang="en-US" smtClean="0"/>
-              <a:t>2018/3/21 Wednesday</a:t>
+              <a:t>3/26 Monday</a:t>
             </a:fld>
             <a:endParaRPr lang="zh-CN" altLang="en-US"/>
           </a:p>
@@ -3358,11 +3358,6 @@
                 </a:rPr>
                 <a:t>生成器</a:t>
               </a:r>
-              <a:endParaRPr lang="zh-CN" altLang="en-US" sz="1600" dirty="0">
-                <a:solidFill>
-                  <a:schemeClr val="tx1"/>
-                </a:solidFill>
-              </a:endParaRPr>
             </a:p>
           </p:txBody>
         </p:sp>
@@ -3525,11 +3520,6 @@
                 </a:rPr>
                 <a:t>解析器</a:t>
               </a:r>
-              <a:endParaRPr lang="zh-CN" altLang="en-US" sz="1600" dirty="0">
-                <a:solidFill>
-                  <a:schemeClr val="tx1"/>
-                </a:solidFill>
-              </a:endParaRPr>
             </a:p>
           </p:txBody>
         </p:sp>
@@ -3709,7 +3699,7 @@
           <p:spPr>
             <a:xfrm>
               <a:off x="4206240" y="585216"/>
-              <a:ext cx="1450848" cy="369332"/>
+              <a:ext cx="1722310" cy="369332"/>
             </a:xfrm>
             <a:prstGeom prst="rect">
               <a:avLst/>
@@ -3724,7 +3714,11 @@
             <a:p>
               <a:r>
                 <a:rPr lang="zh-CN" altLang="en-US" dirty="0" smtClean="0"/>
-                <a:t>机器人控制</a:t>
+                <a:t>机器人</a:t>
+              </a:r>
+              <a:r>
+                <a:rPr lang="zh-CN" altLang="en-US" dirty="0" smtClean="0"/>
+                <a:t>控制器</a:t>
               </a:r>
               <a:endParaRPr lang="zh-CN" altLang="en-US" dirty="0"/>
             </a:p>
@@ -3739,7 +3733,7 @@
           <p:spPr>
             <a:xfrm>
               <a:off x="4206240" y="4946761"/>
-              <a:ext cx="1194816" cy="369332"/>
+              <a:ext cx="1472184" cy="369332"/>
             </a:xfrm>
             <a:prstGeom prst="rect">
               <a:avLst/>
@@ -3754,7 +3748,11 @@
             <a:p>
               <a:r>
                 <a:rPr lang="zh-CN" altLang="en-US" dirty="0" smtClean="0"/>
-                <a:t>关节控制</a:t>
+                <a:t>关节</a:t>
+              </a:r>
+              <a:r>
+                <a:rPr lang="zh-CN" altLang="en-US" dirty="0" smtClean="0"/>
+                <a:t>控制器</a:t>
               </a:r>
               <a:endParaRPr lang="zh-CN" altLang="en-US" dirty="0"/>
             </a:p>
